--- a/ITI/TF/Volume1/media/Figure_10.5-4.pptx
+++ b/ITI/TF/Volume1/media/Figure_10.5-4.pptx
@@ -104,6 +104,11 @@
       </a:defRPr>
     </a:lvl9pPr>
   </p:defaultTextStyle>
+  <p:extLst>
+    <p:ext uri="{EFAFB233-063F-42B5-8137-9DF3F51BA10A}">
+      <p15:sldGuideLst xmlns:p15="http://schemas.microsoft.com/office/powerpoint/2012/main"/>
+    </p:ext>
+  </p:extLst>
 </p:presentation>
 </file>
 
@@ -254,7 +259,7 @@
           <a:p>
             <a:fld id="{3EE2C616-39F9-1543-A65F-52BCE61192C3}" type="datetimeFigureOut">
               <a:rPr lang="en-US" smtClean="0"/>
-              <a:t>8/10/20</a:t>
+              <a:t>8/26/2020</a:t>
             </a:fld>
             <a:endParaRPr lang="en-US"/>
           </a:p>
@@ -452,7 +457,7 @@
           <a:p>
             <a:fld id="{3EE2C616-39F9-1543-A65F-52BCE61192C3}" type="datetimeFigureOut">
               <a:rPr lang="en-US" smtClean="0"/>
-              <a:t>8/10/20</a:t>
+              <a:t>8/26/2020</a:t>
             </a:fld>
             <a:endParaRPr lang="en-US"/>
           </a:p>
@@ -660,7 +665,7 @@
           <a:p>
             <a:fld id="{3EE2C616-39F9-1543-A65F-52BCE61192C3}" type="datetimeFigureOut">
               <a:rPr lang="en-US" smtClean="0"/>
-              <a:t>8/10/20</a:t>
+              <a:t>8/26/2020</a:t>
             </a:fld>
             <a:endParaRPr lang="en-US"/>
           </a:p>
@@ -858,7 +863,7 @@
           <a:p>
             <a:fld id="{3EE2C616-39F9-1543-A65F-52BCE61192C3}" type="datetimeFigureOut">
               <a:rPr lang="en-US" smtClean="0"/>
-              <a:t>8/10/20</a:t>
+              <a:t>8/26/2020</a:t>
             </a:fld>
             <a:endParaRPr lang="en-US"/>
           </a:p>
@@ -1133,7 +1138,7 @@
           <a:p>
             <a:fld id="{3EE2C616-39F9-1543-A65F-52BCE61192C3}" type="datetimeFigureOut">
               <a:rPr lang="en-US" smtClean="0"/>
-              <a:t>8/10/20</a:t>
+              <a:t>8/26/2020</a:t>
             </a:fld>
             <a:endParaRPr lang="en-US"/>
           </a:p>
@@ -1398,7 +1403,7 @@
           <a:p>
             <a:fld id="{3EE2C616-39F9-1543-A65F-52BCE61192C3}" type="datetimeFigureOut">
               <a:rPr lang="en-US" smtClean="0"/>
-              <a:t>8/10/20</a:t>
+              <a:t>8/26/2020</a:t>
             </a:fld>
             <a:endParaRPr lang="en-US"/>
           </a:p>
@@ -1810,7 +1815,7 @@
           <a:p>
             <a:fld id="{3EE2C616-39F9-1543-A65F-52BCE61192C3}" type="datetimeFigureOut">
               <a:rPr lang="en-US" smtClean="0"/>
-              <a:t>8/10/20</a:t>
+              <a:t>8/26/2020</a:t>
             </a:fld>
             <a:endParaRPr lang="en-US"/>
           </a:p>
@@ -1951,7 +1956,7 @@
           <a:p>
             <a:fld id="{3EE2C616-39F9-1543-A65F-52BCE61192C3}" type="datetimeFigureOut">
               <a:rPr lang="en-US" smtClean="0"/>
-              <a:t>8/10/20</a:t>
+              <a:t>8/26/2020</a:t>
             </a:fld>
             <a:endParaRPr lang="en-US"/>
           </a:p>
@@ -2064,7 +2069,7 @@
           <a:p>
             <a:fld id="{3EE2C616-39F9-1543-A65F-52BCE61192C3}" type="datetimeFigureOut">
               <a:rPr lang="en-US" smtClean="0"/>
-              <a:t>8/10/20</a:t>
+              <a:t>8/26/2020</a:t>
             </a:fld>
             <a:endParaRPr lang="en-US"/>
           </a:p>
@@ -2375,7 +2380,7 @@
           <a:p>
             <a:fld id="{3EE2C616-39F9-1543-A65F-52BCE61192C3}" type="datetimeFigureOut">
               <a:rPr lang="en-US" smtClean="0"/>
-              <a:t>8/10/20</a:t>
+              <a:t>8/26/2020</a:t>
             </a:fld>
             <a:endParaRPr lang="en-US"/>
           </a:p>
@@ -2663,7 +2668,7 @@
           <a:p>
             <a:fld id="{3EE2C616-39F9-1543-A65F-52BCE61192C3}" type="datetimeFigureOut">
               <a:rPr lang="en-US" smtClean="0"/>
-              <a:t>8/10/20</a:t>
+              <a:t>8/26/2020</a:t>
             </a:fld>
             <a:endParaRPr lang="en-US"/>
           </a:p>
@@ -2904,7 +2909,7 @@
           <a:p>
             <a:fld id="{3EE2C616-39F9-1543-A65F-52BCE61192C3}" type="datetimeFigureOut">
               <a:rPr lang="en-US" smtClean="0"/>
-              <a:t>8/10/20</a:t>
+              <a:t>8/26/2020</a:t>
             </a:fld>
             <a:endParaRPr lang="en-US"/>
           </a:p>
@@ -3337,7 +3342,7 @@
         </p:nvSpPr>
         <p:spPr bwMode="auto">
           <a:xfrm>
-            <a:off x="6057900" y="685800"/>
+            <a:off x="7555396" y="2203588"/>
             <a:ext cx="2057400" cy="1714500"/>
           </a:xfrm>
           <a:prstGeom prst="ellipse">
@@ -3383,7 +3388,7 @@
         </p:nvSpPr>
         <p:spPr bwMode="auto">
           <a:xfrm>
-            <a:off x="225425" y="942975"/>
+            <a:off x="1722921" y="2460763"/>
             <a:ext cx="1809750" cy="609600"/>
           </a:xfrm>
           <a:prstGeom prst="ellipse">
@@ -3429,7 +3434,7 @@
         </p:nvSpPr>
         <p:spPr bwMode="auto">
           <a:xfrm>
-            <a:off x="6286500" y="1171575"/>
+            <a:off x="7783996" y="2689363"/>
             <a:ext cx="1371600" cy="533400"/>
           </a:xfrm>
           <a:prstGeom prst="ellipse">
@@ -3475,7 +3480,7 @@
         </p:nvSpPr>
         <p:spPr bwMode="auto">
           <a:xfrm>
-            <a:off x="6286500" y="1628775"/>
+            <a:off x="7783996" y="3146563"/>
             <a:ext cx="1371600" cy="533400"/>
           </a:xfrm>
           <a:prstGeom prst="ellipse">
@@ -3521,7 +3526,7 @@
         </p:nvSpPr>
         <p:spPr bwMode="auto">
           <a:xfrm>
-            <a:off x="285750" y="1095375"/>
+            <a:off x="1783246" y="2613163"/>
             <a:ext cx="1666875" cy="342900"/>
           </a:xfrm>
           <a:prstGeom prst="rect">
@@ -3619,7 +3624,7 @@
         </p:nvSpPr>
         <p:spPr bwMode="auto">
           <a:xfrm>
-            <a:off x="6400800" y="714375"/>
+            <a:off x="7898296" y="2232163"/>
             <a:ext cx="1257300" cy="457200"/>
           </a:xfrm>
           <a:prstGeom prst="rect">
@@ -3746,7 +3751,7 @@
         </p:nvSpPr>
         <p:spPr bwMode="auto">
           <a:xfrm>
-            <a:off x="6286500" y="1685925"/>
+            <a:off x="7783996" y="3203713"/>
             <a:ext cx="1371600" cy="457200"/>
           </a:xfrm>
           <a:prstGeom prst="rect">
@@ -3844,7 +3849,7 @@
         </p:nvSpPr>
         <p:spPr bwMode="auto">
           <a:xfrm>
-            <a:off x="6315075" y="1209675"/>
+            <a:off x="7812571" y="2727463"/>
             <a:ext cx="1371600" cy="457200"/>
           </a:xfrm>
           <a:prstGeom prst="rect">
@@ -3942,7 +3947,7 @@
         </p:nvSpPr>
         <p:spPr bwMode="auto">
           <a:xfrm>
-            <a:off x="1828800" y="1438275"/>
+            <a:off x="3326296" y="2956063"/>
             <a:ext cx="4457700" cy="419100"/>
           </a:xfrm>
           <a:prstGeom prst="line">
@@ -3993,7 +3998,7 @@
         </p:nvSpPr>
         <p:spPr bwMode="auto">
           <a:xfrm>
-            <a:off x="114300" y="571500"/>
+            <a:off x="1611796" y="2089288"/>
             <a:ext cx="2057400" cy="2286000"/>
           </a:xfrm>
           <a:prstGeom prst="rect">
@@ -4115,7 +4120,7 @@
         </p:nvSpPr>
         <p:spPr bwMode="auto">
           <a:xfrm>
-            <a:off x="2286000" y="1254125"/>
+            <a:off x="3783496" y="2771913"/>
             <a:ext cx="2209800" cy="679450"/>
           </a:xfrm>
           <a:prstGeom prst="rect">
@@ -4213,7 +4218,7 @@
         </p:nvSpPr>
         <p:spPr bwMode="auto">
           <a:xfrm>
-            <a:off x="5600700" y="571500"/>
+            <a:off x="7098196" y="2089288"/>
             <a:ext cx="2628900" cy="2286000"/>
           </a:xfrm>
           <a:prstGeom prst="rect">
@@ -4335,7 +4340,7 @@
         </p:nvSpPr>
         <p:spPr bwMode="auto">
           <a:xfrm>
-            <a:off x="0" y="457200"/>
+            <a:off x="1497496" y="1974988"/>
             <a:ext cx="8343900" cy="2514600"/>
           </a:xfrm>
           <a:prstGeom prst="rect">
